--- a/敬拜PPT.pptx
+++ b/敬拜PPT.pptx
@@ -5,32 +5,32 @@
     <p:sldMasterId id="2147483648" r:id="rId1"/>
   </p:sldMasterIdLst>
   <p:sldIdLst>
-    <p:sldId id="256" r:id="rId7"/>
-    <p:sldId id="257" r:id="rId8"/>
-    <p:sldId id="258" r:id="rId9"/>
-    <p:sldId id="259" r:id="rId10"/>
-    <p:sldId id="260" r:id="rId11"/>
-    <p:sldId id="261" r:id="rId12"/>
-    <p:sldId id="262" r:id="rId13"/>
-    <p:sldId id="263" r:id="rId14"/>
-    <p:sldId id="264" r:id="rId15"/>
-    <p:sldId id="265" r:id="rId16"/>
-    <p:sldId id="266" r:id="rId17"/>
-    <p:sldId id="267" r:id="rId18"/>
-    <p:sldId id="268" r:id="rId19"/>
-    <p:sldId id="269" r:id="rId20"/>
-    <p:sldId id="270" r:id="rId21"/>
-    <p:sldId id="271" r:id="rId22"/>
-    <p:sldId id="272" r:id="rId23"/>
-    <p:sldId id="273" r:id="rId24"/>
-    <p:sldId id="274" r:id="rId25"/>
-    <p:sldId id="275" r:id="rId26"/>
-    <p:sldId id="276" r:id="rId27"/>
-    <p:sldId id="277" r:id="rId28"/>
-    <p:sldId id="278" r:id="rId29"/>
-    <p:sldId id="279" r:id="rId30"/>
+    <p:sldId id="256" r:id="rId2"/>
+    <p:sldId id="257" r:id="rId3"/>
+    <p:sldId id="258" r:id="rId4"/>
+    <p:sldId id="259" r:id="rId5"/>
+    <p:sldId id="260" r:id="rId6"/>
+    <p:sldId id="261" r:id="rId7"/>
+    <p:sldId id="262" r:id="rId8"/>
+    <p:sldId id="263" r:id="rId9"/>
+    <p:sldId id="264" r:id="rId10"/>
+    <p:sldId id="265" r:id="rId11"/>
+    <p:sldId id="266" r:id="rId12"/>
+    <p:sldId id="267" r:id="rId13"/>
+    <p:sldId id="268" r:id="rId14"/>
+    <p:sldId id="269" r:id="rId15"/>
+    <p:sldId id="270" r:id="rId16"/>
+    <p:sldId id="271" r:id="rId17"/>
+    <p:sldId id="272" r:id="rId18"/>
+    <p:sldId id="273" r:id="rId19"/>
+    <p:sldId id="274" r:id="rId20"/>
+    <p:sldId id="275" r:id="rId21"/>
+    <p:sldId id="276" r:id="rId22"/>
+    <p:sldId id="277" r:id="rId23"/>
+    <p:sldId id="278" r:id="rId24"/>
+    <p:sldId id="279" r:id="rId25"/>
   </p:sldIdLst>
-  <p:sldSz cx="9144000" cy="5143500" type="screen4x3"/>
+  <p:sldSz cx="9144000" cy="5143500" type="screen16x9"/>
   <p:notesSz cx="6858000" cy="9144000"/>
   <p:defaultTextStyle>
     <a:defPPr>
@@ -127,6 +127,22 @@
       </a:defRPr>
     </a:lvl9pPr>
   </p:defaultTextStyle>
+  <p:extLst>
+    <p:ext uri="{EFAFB233-063F-42B5-8137-9DF3F51BA10A}">
+      <p15:sldGuideLst xmlns:p15="http://schemas.microsoft.com/office/powerpoint/2012/main">
+        <p15:guide id="1" orient="horz" pos="2160">
+          <p15:clr>
+            <a:srgbClr val="A4A3A4"/>
+          </p15:clr>
+        </p15:guide>
+        <p15:guide id="2" pos="2880">
+          <p15:clr>
+            <a:srgbClr val="A4A3A4"/>
+          </p15:clr>
+        </p15:guide>
+      </p15:sldGuideLst>
+    </p:ext>
+  </p:extLst>
 </p:presentation>
 </file>
 
@@ -168,10 +184,9 @@
           <a:lstStyle/>
           <a:p>
             <a:r>
-              <a:rPr lang="en-US" smtClean="0"/>
+              <a:rPr lang="en-US"/>
               <a:t>Click to edit Master title style</a:t>
             </a:r>
-            <a:endParaRPr lang="en-US"/>
           </a:p>
         </p:txBody>
       </p:sp>
@@ -287,10 +302,9 @@
           </a:lstStyle>
           <a:p>
             <a:r>
-              <a:rPr lang="en-US" smtClean="0"/>
+              <a:rPr lang="en-US"/>
               <a:t>Click to edit Master subtitle style</a:t>
             </a:r>
-            <a:endParaRPr lang="en-US"/>
           </a:p>
         </p:txBody>
       </p:sp>
@@ -311,7 +325,7 @@
           <a:p>
             <a:fld id="{5BCAD085-E8A6-8845-BD4E-CB4CCA059FC4}" type="datetimeFigureOut">
               <a:rPr lang="en-US" smtClean="0"/>
-              <a:t>1/27/13</a:t>
+              <a:t>11/1/2025</a:t>
             </a:fld>
             <a:endParaRPr lang="en-US"/>
           </a:p>
@@ -405,10 +419,9 @@
           <a:lstStyle/>
           <a:p>
             <a:r>
-              <a:rPr lang="en-US" smtClean="0"/>
+              <a:rPr lang="en-US"/>
               <a:t>Click to edit Master title style</a:t>
             </a:r>
-            <a:endParaRPr lang="en-US"/>
           </a:p>
         </p:txBody>
       </p:sp>
@@ -429,38 +442,37 @@
           <a:p>
             <a:pPr lvl="0"/>
             <a:r>
-              <a:rPr lang="en-US" smtClean="0"/>
+              <a:rPr lang="en-US"/>
               <a:t>Click to edit Master text styles</a:t>
             </a:r>
           </a:p>
           <a:p>
             <a:pPr lvl="1"/>
             <a:r>
-              <a:rPr lang="en-US" smtClean="0"/>
+              <a:rPr lang="en-US"/>
               <a:t>Second level</a:t>
             </a:r>
           </a:p>
           <a:p>
             <a:pPr lvl="2"/>
             <a:r>
-              <a:rPr lang="en-US" smtClean="0"/>
+              <a:rPr lang="en-US"/>
               <a:t>Third level</a:t>
             </a:r>
           </a:p>
           <a:p>
             <a:pPr lvl="3"/>
             <a:r>
-              <a:rPr lang="en-US" smtClean="0"/>
+              <a:rPr lang="en-US"/>
               <a:t>Fourth level</a:t>
             </a:r>
           </a:p>
           <a:p>
             <a:pPr lvl="4"/>
             <a:r>
-              <a:rPr lang="en-US" smtClean="0"/>
+              <a:rPr lang="en-US"/>
               <a:t>Fifth level</a:t>
             </a:r>
-            <a:endParaRPr lang="en-US"/>
           </a:p>
         </p:txBody>
       </p:sp>
@@ -481,7 +493,7 @@
           <a:p>
             <a:fld id="{5BCAD085-E8A6-8845-BD4E-CB4CCA059FC4}" type="datetimeFigureOut">
               <a:rPr lang="en-US" smtClean="0"/>
-              <a:t>1/27/13</a:t>
+              <a:t>11/1/2025</a:t>
             </a:fld>
             <a:endParaRPr lang="en-US"/>
           </a:p>
@@ -580,10 +592,9 @@
           <a:lstStyle/>
           <a:p>
             <a:r>
-              <a:rPr lang="en-US" smtClean="0"/>
+              <a:rPr lang="en-US"/>
               <a:t>Click to edit Master title style</a:t>
             </a:r>
-            <a:endParaRPr lang="en-US"/>
           </a:p>
         </p:txBody>
       </p:sp>
@@ -609,38 +620,37 @@
           <a:p>
             <a:pPr lvl="0"/>
             <a:r>
-              <a:rPr lang="en-US" smtClean="0"/>
+              <a:rPr lang="en-US"/>
               <a:t>Click to edit Master text styles</a:t>
             </a:r>
           </a:p>
           <a:p>
             <a:pPr lvl="1"/>
             <a:r>
-              <a:rPr lang="en-US" smtClean="0"/>
+              <a:rPr lang="en-US"/>
               <a:t>Second level</a:t>
             </a:r>
           </a:p>
           <a:p>
             <a:pPr lvl="2"/>
             <a:r>
-              <a:rPr lang="en-US" smtClean="0"/>
+              <a:rPr lang="en-US"/>
               <a:t>Third level</a:t>
             </a:r>
           </a:p>
           <a:p>
             <a:pPr lvl="3"/>
             <a:r>
-              <a:rPr lang="en-US" smtClean="0"/>
+              <a:rPr lang="en-US"/>
               <a:t>Fourth level</a:t>
             </a:r>
           </a:p>
           <a:p>
             <a:pPr lvl="4"/>
             <a:r>
-              <a:rPr lang="en-US" smtClean="0"/>
+              <a:rPr lang="en-US"/>
               <a:t>Fifth level</a:t>
             </a:r>
-            <a:endParaRPr lang="en-US"/>
           </a:p>
         </p:txBody>
       </p:sp>
@@ -661,7 +671,7 @@
           <a:p>
             <a:fld id="{5BCAD085-E8A6-8845-BD4E-CB4CCA059FC4}" type="datetimeFigureOut">
               <a:rPr lang="en-US" smtClean="0"/>
-              <a:t>1/27/13</a:t>
+              <a:t>11/1/2025</a:t>
             </a:fld>
             <a:endParaRPr lang="en-US"/>
           </a:p>
@@ -755,10 +765,9 @@
           <a:lstStyle/>
           <a:p>
             <a:r>
-              <a:rPr lang="en-US" smtClean="0"/>
+              <a:rPr lang="en-US"/>
               <a:t>Click to edit Master title style</a:t>
             </a:r>
-            <a:endParaRPr lang="en-US"/>
           </a:p>
         </p:txBody>
       </p:sp>
@@ -779,38 +788,37 @@
           <a:p>
             <a:pPr lvl="0"/>
             <a:r>
-              <a:rPr lang="en-US" smtClean="0"/>
+              <a:rPr lang="en-US"/>
               <a:t>Click to edit Master text styles</a:t>
             </a:r>
           </a:p>
           <a:p>
             <a:pPr lvl="1"/>
             <a:r>
-              <a:rPr lang="en-US" smtClean="0"/>
+              <a:rPr lang="en-US"/>
               <a:t>Second level</a:t>
             </a:r>
           </a:p>
           <a:p>
             <a:pPr lvl="2"/>
             <a:r>
-              <a:rPr lang="en-US" smtClean="0"/>
+              <a:rPr lang="en-US"/>
               <a:t>Third level</a:t>
             </a:r>
           </a:p>
           <a:p>
             <a:pPr lvl="3"/>
             <a:r>
-              <a:rPr lang="en-US" smtClean="0"/>
+              <a:rPr lang="en-US"/>
               <a:t>Fourth level</a:t>
             </a:r>
           </a:p>
           <a:p>
             <a:pPr lvl="4"/>
             <a:r>
-              <a:rPr lang="en-US" smtClean="0"/>
+              <a:rPr lang="en-US"/>
               <a:t>Fifth level</a:t>
             </a:r>
-            <a:endParaRPr lang="en-US"/>
           </a:p>
         </p:txBody>
       </p:sp>
@@ -831,7 +839,7 @@
           <a:p>
             <a:fld id="{5BCAD085-E8A6-8845-BD4E-CB4CCA059FC4}" type="datetimeFigureOut">
               <a:rPr lang="en-US" smtClean="0"/>
-              <a:t>1/27/13</a:t>
+              <a:t>11/1/2025</a:t>
             </a:fld>
             <a:endParaRPr lang="en-US"/>
           </a:p>
@@ -934,10 +942,9 @@
           </a:lstStyle>
           <a:p>
             <a:r>
-              <a:rPr lang="en-US" smtClean="0"/>
+              <a:rPr lang="en-US"/>
               <a:t>Click to edit Master title style</a:t>
             </a:r>
-            <a:endParaRPr lang="en-US"/>
           </a:p>
         </p:txBody>
       </p:sp>
@@ -1054,7 +1061,7 @@
           <a:p>
             <a:pPr lvl="0"/>
             <a:r>
-              <a:rPr lang="en-US" smtClean="0"/>
+              <a:rPr lang="en-US"/>
               <a:t>Click to edit Master text styles</a:t>
             </a:r>
           </a:p>
@@ -1077,7 +1084,7 @@
           <a:p>
             <a:fld id="{5BCAD085-E8A6-8845-BD4E-CB4CCA059FC4}" type="datetimeFigureOut">
               <a:rPr lang="en-US" smtClean="0"/>
-              <a:t>1/27/13</a:t>
+              <a:t>11/1/2025</a:t>
             </a:fld>
             <a:endParaRPr lang="en-US"/>
           </a:p>
@@ -1171,10 +1178,9 @@
           <a:lstStyle/>
           <a:p>
             <a:r>
-              <a:rPr lang="en-US" smtClean="0"/>
+              <a:rPr lang="en-US"/>
               <a:t>Click to edit Master title style</a:t>
             </a:r>
-            <a:endParaRPr lang="en-US"/>
           </a:p>
         </p:txBody>
       </p:sp>
@@ -1228,38 +1234,37 @@
           <a:p>
             <a:pPr lvl="0"/>
             <a:r>
-              <a:rPr lang="en-US" smtClean="0"/>
+              <a:rPr lang="en-US"/>
               <a:t>Click to edit Master text styles</a:t>
             </a:r>
           </a:p>
           <a:p>
             <a:pPr lvl="1"/>
             <a:r>
-              <a:rPr lang="en-US" smtClean="0"/>
+              <a:rPr lang="en-US"/>
               <a:t>Second level</a:t>
             </a:r>
           </a:p>
           <a:p>
             <a:pPr lvl="2"/>
             <a:r>
-              <a:rPr lang="en-US" smtClean="0"/>
+              <a:rPr lang="en-US"/>
               <a:t>Third level</a:t>
             </a:r>
           </a:p>
           <a:p>
             <a:pPr lvl="3"/>
             <a:r>
-              <a:rPr lang="en-US" smtClean="0"/>
+              <a:rPr lang="en-US"/>
               <a:t>Fourth level</a:t>
             </a:r>
           </a:p>
           <a:p>
             <a:pPr lvl="4"/>
             <a:r>
-              <a:rPr lang="en-US" smtClean="0"/>
+              <a:rPr lang="en-US"/>
               <a:t>Fifth level</a:t>
             </a:r>
-            <a:endParaRPr lang="en-US"/>
           </a:p>
         </p:txBody>
       </p:sp>
@@ -1313,38 +1318,37 @@
           <a:p>
             <a:pPr lvl="0"/>
             <a:r>
-              <a:rPr lang="en-US" smtClean="0"/>
+              <a:rPr lang="en-US"/>
               <a:t>Click to edit Master text styles</a:t>
             </a:r>
           </a:p>
           <a:p>
             <a:pPr lvl="1"/>
             <a:r>
-              <a:rPr lang="en-US" smtClean="0"/>
+              <a:rPr lang="en-US"/>
               <a:t>Second level</a:t>
             </a:r>
           </a:p>
           <a:p>
             <a:pPr lvl="2"/>
             <a:r>
-              <a:rPr lang="en-US" smtClean="0"/>
+              <a:rPr lang="en-US"/>
               <a:t>Third level</a:t>
             </a:r>
           </a:p>
           <a:p>
             <a:pPr lvl="3"/>
             <a:r>
-              <a:rPr lang="en-US" smtClean="0"/>
+              <a:rPr lang="en-US"/>
               <a:t>Fourth level</a:t>
             </a:r>
           </a:p>
           <a:p>
             <a:pPr lvl="4"/>
             <a:r>
-              <a:rPr lang="en-US" smtClean="0"/>
+              <a:rPr lang="en-US"/>
               <a:t>Fifth level</a:t>
             </a:r>
-            <a:endParaRPr lang="en-US"/>
           </a:p>
         </p:txBody>
       </p:sp>
@@ -1365,7 +1369,7 @@
           <a:p>
             <a:fld id="{5BCAD085-E8A6-8845-BD4E-CB4CCA059FC4}" type="datetimeFigureOut">
               <a:rPr lang="en-US" smtClean="0"/>
-              <a:t>1/27/13</a:t>
+              <a:t>11/1/2025</a:t>
             </a:fld>
             <a:endParaRPr lang="en-US"/>
           </a:p>
@@ -1463,10 +1467,9 @@
           </a:lstStyle>
           <a:p>
             <a:r>
-              <a:rPr lang="en-US" smtClean="0"/>
+              <a:rPr lang="en-US"/>
               <a:t>Click to edit Master title style</a:t>
             </a:r>
-            <a:endParaRPr lang="en-US"/>
           </a:p>
         </p:txBody>
       </p:sp>
@@ -1529,7 +1532,7 @@
           <a:p>
             <a:pPr lvl="0"/>
             <a:r>
-              <a:rPr lang="en-US" smtClean="0"/>
+              <a:rPr lang="en-US"/>
               <a:t>Click to edit Master text styles</a:t>
             </a:r>
           </a:p>
@@ -1585,38 +1588,37 @@
           <a:p>
             <a:pPr lvl="0"/>
             <a:r>
-              <a:rPr lang="en-US" smtClean="0"/>
+              <a:rPr lang="en-US"/>
               <a:t>Click to edit Master text styles</a:t>
             </a:r>
           </a:p>
           <a:p>
             <a:pPr lvl="1"/>
             <a:r>
-              <a:rPr lang="en-US" smtClean="0"/>
+              <a:rPr lang="en-US"/>
               <a:t>Second level</a:t>
             </a:r>
           </a:p>
           <a:p>
             <a:pPr lvl="2"/>
             <a:r>
-              <a:rPr lang="en-US" smtClean="0"/>
+              <a:rPr lang="en-US"/>
               <a:t>Third level</a:t>
             </a:r>
           </a:p>
           <a:p>
             <a:pPr lvl="3"/>
             <a:r>
-              <a:rPr lang="en-US" smtClean="0"/>
+              <a:rPr lang="en-US"/>
               <a:t>Fourth level</a:t>
             </a:r>
           </a:p>
           <a:p>
             <a:pPr lvl="4"/>
             <a:r>
-              <a:rPr lang="en-US" smtClean="0"/>
+              <a:rPr lang="en-US"/>
               <a:t>Fifth level</a:t>
             </a:r>
-            <a:endParaRPr lang="en-US"/>
           </a:p>
         </p:txBody>
       </p:sp>
@@ -1679,7 +1681,7 @@
           <a:p>
             <a:pPr lvl="0"/>
             <a:r>
-              <a:rPr lang="en-US" smtClean="0"/>
+              <a:rPr lang="en-US"/>
               <a:t>Click to edit Master text styles</a:t>
             </a:r>
           </a:p>
@@ -1735,38 +1737,37 @@
           <a:p>
             <a:pPr lvl="0"/>
             <a:r>
-              <a:rPr lang="en-US" smtClean="0"/>
+              <a:rPr lang="en-US"/>
               <a:t>Click to edit Master text styles</a:t>
             </a:r>
           </a:p>
           <a:p>
             <a:pPr lvl="1"/>
             <a:r>
-              <a:rPr lang="en-US" smtClean="0"/>
+              <a:rPr lang="en-US"/>
               <a:t>Second level</a:t>
             </a:r>
           </a:p>
           <a:p>
             <a:pPr lvl="2"/>
             <a:r>
-              <a:rPr lang="en-US" smtClean="0"/>
+              <a:rPr lang="en-US"/>
               <a:t>Third level</a:t>
             </a:r>
           </a:p>
           <a:p>
             <a:pPr lvl="3"/>
             <a:r>
-              <a:rPr lang="en-US" smtClean="0"/>
+              <a:rPr lang="en-US"/>
               <a:t>Fourth level</a:t>
             </a:r>
           </a:p>
           <a:p>
             <a:pPr lvl="4"/>
             <a:r>
-              <a:rPr lang="en-US" smtClean="0"/>
+              <a:rPr lang="en-US"/>
               <a:t>Fifth level</a:t>
             </a:r>
-            <a:endParaRPr lang="en-US"/>
           </a:p>
         </p:txBody>
       </p:sp>
@@ -1787,7 +1788,7 @@
           <a:p>
             <a:fld id="{5BCAD085-E8A6-8845-BD4E-CB4CCA059FC4}" type="datetimeFigureOut">
               <a:rPr lang="en-US" smtClean="0"/>
-              <a:t>1/27/13</a:t>
+              <a:t>11/1/2025</a:t>
             </a:fld>
             <a:endParaRPr lang="en-US"/>
           </a:p>
@@ -1881,10 +1882,9 @@
           <a:lstStyle/>
           <a:p>
             <a:r>
-              <a:rPr lang="en-US" smtClean="0"/>
+              <a:rPr lang="en-US"/>
               <a:t>Click to edit Master title style</a:t>
             </a:r>
-            <a:endParaRPr lang="en-US"/>
           </a:p>
         </p:txBody>
       </p:sp>
@@ -1905,7 +1905,7 @@
           <a:p>
             <a:fld id="{5BCAD085-E8A6-8845-BD4E-CB4CCA059FC4}" type="datetimeFigureOut">
               <a:rPr lang="en-US" smtClean="0"/>
-              <a:t>1/27/13</a:t>
+              <a:t>11/1/2025</a:t>
             </a:fld>
             <a:endParaRPr lang="en-US"/>
           </a:p>
@@ -2000,7 +2000,7 @@
           <a:p>
             <a:fld id="{5BCAD085-E8A6-8845-BD4E-CB4CCA059FC4}" type="datetimeFigureOut">
               <a:rPr lang="en-US" smtClean="0"/>
-              <a:t>1/27/13</a:t>
+              <a:t>11/1/2025</a:t>
             </a:fld>
             <a:endParaRPr lang="en-US"/>
           </a:p>
@@ -2103,10 +2103,9 @@
           </a:lstStyle>
           <a:p>
             <a:r>
-              <a:rPr lang="en-US" smtClean="0"/>
+              <a:rPr lang="en-US"/>
               <a:t>Click to edit Master title style</a:t>
             </a:r>
-            <a:endParaRPr lang="en-US"/>
           </a:p>
         </p:txBody>
       </p:sp>
@@ -2160,38 +2159,37 @@
           <a:p>
             <a:pPr lvl="0"/>
             <a:r>
-              <a:rPr lang="en-US" smtClean="0"/>
+              <a:rPr lang="en-US"/>
               <a:t>Click to edit Master text styles</a:t>
             </a:r>
           </a:p>
           <a:p>
             <a:pPr lvl="1"/>
             <a:r>
-              <a:rPr lang="en-US" smtClean="0"/>
+              <a:rPr lang="en-US"/>
               <a:t>Second level</a:t>
             </a:r>
           </a:p>
           <a:p>
             <a:pPr lvl="2"/>
             <a:r>
-              <a:rPr lang="en-US" smtClean="0"/>
+              <a:rPr lang="en-US"/>
               <a:t>Third level</a:t>
             </a:r>
           </a:p>
           <a:p>
             <a:pPr lvl="3"/>
             <a:r>
-              <a:rPr lang="en-US" smtClean="0"/>
+              <a:rPr lang="en-US"/>
               <a:t>Fourth level</a:t>
             </a:r>
           </a:p>
           <a:p>
             <a:pPr lvl="4"/>
             <a:r>
-              <a:rPr lang="en-US" smtClean="0"/>
+              <a:rPr lang="en-US"/>
               <a:t>Fifth level</a:t>
             </a:r>
-            <a:endParaRPr lang="en-US"/>
           </a:p>
         </p:txBody>
       </p:sp>
@@ -2254,7 +2252,7 @@
           <a:p>
             <a:pPr lvl="0"/>
             <a:r>
-              <a:rPr lang="en-US" smtClean="0"/>
+              <a:rPr lang="en-US"/>
               <a:t>Click to edit Master text styles</a:t>
             </a:r>
           </a:p>
@@ -2277,7 +2275,7 @@
           <a:p>
             <a:fld id="{5BCAD085-E8A6-8845-BD4E-CB4CCA059FC4}" type="datetimeFigureOut">
               <a:rPr lang="en-US" smtClean="0"/>
-              <a:t>1/27/13</a:t>
+              <a:t>11/1/2025</a:t>
             </a:fld>
             <a:endParaRPr lang="en-US"/>
           </a:p>
@@ -2380,10 +2378,9 @@
           </a:lstStyle>
           <a:p>
             <a:r>
-              <a:rPr lang="en-US" smtClean="0"/>
+              <a:rPr lang="en-US"/>
               <a:t>Click to edit Master title style</a:t>
             </a:r>
-            <a:endParaRPr lang="en-US"/>
           </a:p>
         </p:txBody>
       </p:sp>
@@ -2507,7 +2504,7 @@
           <a:p>
             <a:pPr lvl="0"/>
             <a:r>
-              <a:rPr lang="en-US" smtClean="0"/>
+              <a:rPr lang="en-US"/>
               <a:t>Click to edit Master text styles</a:t>
             </a:r>
           </a:p>
@@ -2530,7 +2527,7 @@
           <a:p>
             <a:fld id="{5BCAD085-E8A6-8845-BD4E-CB4CCA059FC4}" type="datetimeFigureOut">
               <a:rPr lang="en-US" smtClean="0"/>
-              <a:t>1/27/13</a:t>
+              <a:t>11/1/2025</a:t>
             </a:fld>
             <a:endParaRPr lang="en-US"/>
           </a:p>
@@ -2639,10 +2636,9 @@
           <a:lstStyle/>
           <a:p>
             <a:r>
-              <a:rPr lang="en-US" smtClean="0"/>
+              <a:rPr lang="en-US"/>
               <a:t>Click to edit Master title style</a:t>
             </a:r>
-            <a:endParaRPr lang="en-US"/>
           </a:p>
         </p:txBody>
       </p:sp>
@@ -2673,38 +2669,37 @@
           <a:p>
             <a:pPr lvl="0"/>
             <a:r>
-              <a:rPr lang="en-US" smtClean="0"/>
+              <a:rPr lang="en-US"/>
               <a:t>Click to edit Master text styles</a:t>
             </a:r>
           </a:p>
           <a:p>
             <a:pPr lvl="1"/>
             <a:r>
-              <a:rPr lang="en-US" smtClean="0"/>
+              <a:rPr lang="en-US"/>
               <a:t>Second level</a:t>
             </a:r>
           </a:p>
           <a:p>
             <a:pPr lvl="2"/>
             <a:r>
-              <a:rPr lang="en-US" smtClean="0"/>
+              <a:rPr lang="en-US"/>
               <a:t>Third level</a:t>
             </a:r>
           </a:p>
           <a:p>
             <a:pPr lvl="3"/>
             <a:r>
-              <a:rPr lang="en-US" smtClean="0"/>
+              <a:rPr lang="en-US"/>
               <a:t>Fourth level</a:t>
             </a:r>
           </a:p>
           <a:p>
             <a:pPr lvl="4"/>
             <a:r>
-              <a:rPr lang="en-US" smtClean="0"/>
+              <a:rPr lang="en-US"/>
               <a:t>Fifth level</a:t>
             </a:r>
-            <a:endParaRPr lang="en-US"/>
           </a:p>
         </p:txBody>
       </p:sp>
@@ -2743,7 +2738,7 @@
           <a:p>
             <a:fld id="{5BCAD085-E8A6-8845-BD4E-CB4CCA059FC4}" type="datetimeFigureOut">
               <a:rPr lang="en-US" smtClean="0"/>
-              <a:t>1/27/13</a:t>
+              <a:t>11/1/2025</a:t>
             </a:fld>
             <a:endParaRPr lang="en-US"/>
           </a:p>
@@ -3102,7 +3097,7 @@
 </file>
 
 <file path=ppt/slides/slide1.xml><?xml version="1.0" encoding="utf-8"?>
-<p:sld xmlns:a="http://schemas.openxmlformats.org/drawingml/2006/main" xmlns:p="http://schemas.openxmlformats.org/presentationml/2006/main" xmlns:r="http://schemas.openxmlformats.org/officeDocument/2006/relationships">
+<p:sld xmlns:a="http://schemas.openxmlformats.org/drawingml/2006/main" xmlns:r="http://schemas.openxmlformats.org/officeDocument/2006/relationships" xmlns:p="http://schemas.openxmlformats.org/presentationml/2006/main">
   <p:cSld>
     <p:bg>
       <p:bgPr>
@@ -3118,7 +3113,14 @@
         <p:cNvGrpSpPr/>
         <p:nvPr/>
       </p:nvGrpSpPr>
-      <p:grpSpPr/>
+      <p:grpSpPr>
+        <a:xfrm>
+          <a:off x="0" y="0"/>
+          <a:ext cx="0" cy="0"/>
+          <a:chOff x="0" y="0"/>
+          <a:chExt cx="0" cy="0"/>
+        </a:xfrm>
+      </p:grpSpPr>
       <p:sp>
         <p:nvSpPr>
           <p:cNvPr id="2" name="Title 1"/>
@@ -3133,7 +3135,9 @@
         <p:txBody>
           <a:bodyPr/>
           <a:lstStyle/>
-          <a:p/>
+          <a:p>
+            <a:endParaRPr/>
+          </a:p>
         </p:txBody>
       </p:sp>
       <p:sp>
@@ -3144,8 +3148,8 @@
         </p:nvSpPr>
         <p:spPr>
           <a:xfrm>
-            <a:off x="457200" y="91440"/>
-            <a:ext cx="8229600" cy="457200"/>
+            <a:off x="1791431" y="91440"/>
+            <a:ext cx="5561138" cy="584775"/>
           </a:xfrm>
           <a:prstGeom prst="rect">
             <a:avLst/>
@@ -3167,8 +3171,18 @@
               </a:defRPr>
             </a:pPr>
             <a:r>
-              <a:t>將天敞開 祢的榮耀降下來</a:t>
-            </a:r>
+              <a:rPr lang="en-US" altLang="zh-TW" dirty="0"/>
+              <a:t>1.</a:t>
+            </a:r>
+            <a:r>
+              <a:rPr dirty="0"/>
+              <a:t>耶和華是我的主 </a:t>
+            </a:r>
+            <a:r>
+              <a:rPr dirty="0" err="1"/>
+              <a:t>必不至動搖</a:t>
+            </a:r>
+            <a:endParaRPr dirty="0"/>
           </a:p>
         </p:txBody>
       </p:sp>
@@ -3203,7 +3217,7 @@
               </a:defRPr>
             </a:pPr>
             <a:r>
-              <a:t>將天敞開 祢的同在降下來</a:t>
+              <a:t>有耶和華的幫助 還要懼誰呢</a:t>
             </a:r>
           </a:p>
         </p:txBody>
@@ -3239,7 +3253,7 @@
               </a:defRPr>
             </a:pPr>
             <a:r>
-              <a:t>【將天敞開】</a:t>
+              <a:t>【叫我抬起頭的神】</a:t>
             </a:r>
           </a:p>
         </p:txBody>
@@ -3253,7 +3267,7 @@
 </file>
 
 <file path=ppt/slides/slide10.xml><?xml version="1.0" encoding="utf-8"?>
-<p:sld xmlns:a="http://schemas.openxmlformats.org/drawingml/2006/main" xmlns:p="http://schemas.openxmlformats.org/presentationml/2006/main" xmlns:r="http://schemas.openxmlformats.org/officeDocument/2006/relationships">
+<p:sld xmlns:a="http://schemas.openxmlformats.org/drawingml/2006/main" xmlns:r="http://schemas.openxmlformats.org/officeDocument/2006/relationships" xmlns:p="http://schemas.openxmlformats.org/presentationml/2006/main">
   <p:cSld>
     <p:bg>
       <p:bgPr>
@@ -3269,7 +3283,14 @@
         <p:cNvGrpSpPr/>
         <p:nvPr/>
       </p:nvGrpSpPr>
-      <p:grpSpPr/>
+      <p:grpSpPr>
+        <a:xfrm>
+          <a:off x="0" y="0"/>
+          <a:ext cx="0" cy="0"/>
+          <a:chOff x="0" y="0"/>
+          <a:chExt cx="0" cy="0"/>
+        </a:xfrm>
+      </p:grpSpPr>
       <p:sp>
         <p:nvSpPr>
           <p:cNvPr id="2" name="Title 1"/>
@@ -3284,7 +3305,9 @@
         <p:txBody>
           <a:bodyPr/>
           <a:lstStyle/>
-          <a:p/>
+          <a:p>
+            <a:endParaRPr/>
+          </a:p>
         </p:txBody>
       </p:sp>
       <p:sp>
@@ -3318,7 +3341,7 @@
               </a:defRPr>
             </a:pPr>
             <a:r>
-              <a:t>榮耀彰顯奇妙神蹟將顯明</a:t>
+              <a:t>2.耶穌 神的愛子 耶穌 榮耀君王</a:t>
             </a:r>
           </a:p>
         </p:txBody>
@@ -3354,7 +3377,7 @@
               </a:defRPr>
             </a:pPr>
             <a:r>
-              <a:t>天上國度降臨在這裡</a:t>
+              <a:t>萬有俯伏在祢腳前 世間的救贖主</a:t>
             </a:r>
           </a:p>
         </p:txBody>
@@ -3390,7 +3413,7 @@
               </a:defRPr>
             </a:pPr>
             <a:r>
-              <a:t>【在這裡】</a:t>
+              <a:t>【耶穌的名】</a:t>
             </a:r>
           </a:p>
         </p:txBody>
@@ -3404,7 +3427,7 @@
 </file>
 
 <file path=ppt/slides/slide11.xml><?xml version="1.0" encoding="utf-8"?>
-<p:sld xmlns:a="http://schemas.openxmlformats.org/drawingml/2006/main" xmlns:p="http://schemas.openxmlformats.org/presentationml/2006/main" xmlns:r="http://schemas.openxmlformats.org/officeDocument/2006/relationships">
+<p:sld xmlns:a="http://schemas.openxmlformats.org/drawingml/2006/main" xmlns:r="http://schemas.openxmlformats.org/officeDocument/2006/relationships" xmlns:p="http://schemas.openxmlformats.org/presentationml/2006/main">
   <p:cSld>
     <p:bg>
       <p:bgPr>
@@ -3420,7 +3443,14 @@
         <p:cNvGrpSpPr/>
         <p:nvPr/>
       </p:nvGrpSpPr>
-      <p:grpSpPr/>
+      <p:grpSpPr>
+        <a:xfrm>
+          <a:off x="0" y="0"/>
+          <a:ext cx="0" cy="0"/>
+          <a:chOff x="0" y="0"/>
+          <a:chExt cx="0" cy="0"/>
+        </a:xfrm>
+      </p:grpSpPr>
       <p:sp>
         <p:nvSpPr>
           <p:cNvPr id="2" name="Title 1"/>
@@ -3435,7 +3465,9 @@
         <p:txBody>
           <a:bodyPr/>
           <a:lstStyle/>
-          <a:p/>
+          <a:p>
+            <a:endParaRPr/>
+          </a:p>
         </p:txBody>
       </p:sp>
       <p:sp>
@@ -3469,7 +3501,7 @@
               </a:defRPr>
             </a:pPr>
             <a:r>
-              <a:t>§ 祢的靈在這裡 這裡就有自由</a:t>
+              <a:t>※耶穌的名 超乎萬名</a:t>
             </a:r>
           </a:p>
         </p:txBody>
@@ -3505,7 +3537,7 @@
               </a:defRPr>
             </a:pPr>
             <a:r>
-              <a:t>聖靈自由運行無止盡</a:t>
+              <a:t>榮耀尊貴都歸於祢</a:t>
             </a:r>
           </a:p>
         </p:txBody>
@@ -3541,7 +3573,7 @@
               </a:defRPr>
             </a:pPr>
             <a:r>
-              <a:t>【在這裡】</a:t>
+              <a:t>【耶穌的名】</a:t>
             </a:r>
           </a:p>
         </p:txBody>
@@ -3555,7 +3587,7 @@
 </file>
 
 <file path=ppt/slides/slide12.xml><?xml version="1.0" encoding="utf-8"?>
-<p:sld xmlns:a="http://schemas.openxmlformats.org/drawingml/2006/main" xmlns:p="http://schemas.openxmlformats.org/presentationml/2006/main" xmlns:r="http://schemas.openxmlformats.org/officeDocument/2006/relationships">
+<p:sld xmlns:a="http://schemas.openxmlformats.org/drawingml/2006/main" xmlns:r="http://schemas.openxmlformats.org/officeDocument/2006/relationships" xmlns:p="http://schemas.openxmlformats.org/presentationml/2006/main">
   <p:cSld>
     <p:bg>
       <p:bgPr>
@@ -3571,7 +3603,14 @@
         <p:cNvGrpSpPr/>
         <p:nvPr/>
       </p:nvGrpSpPr>
-      <p:grpSpPr/>
+      <p:grpSpPr>
+        <a:xfrm>
+          <a:off x="0" y="0"/>
+          <a:ext cx="0" cy="0"/>
+          <a:chOff x="0" y="0"/>
+          <a:chExt cx="0" cy="0"/>
+        </a:xfrm>
+      </p:grpSpPr>
       <p:sp>
         <p:nvSpPr>
           <p:cNvPr id="2" name="Title 1"/>
@@ -3586,7 +3625,9 @@
         <p:txBody>
           <a:bodyPr/>
           <a:lstStyle/>
-          <a:p/>
+          <a:p>
+            <a:endParaRPr/>
+          </a:p>
         </p:txBody>
       </p:sp>
       <p:sp>
@@ -3620,7 +3661,7 @@
               </a:defRPr>
             </a:pPr>
             <a:r>
-              <a:t>移山倒海信心 堅定不斷升起</a:t>
+              <a:t>萬膝要跪拜 萬口要承認</a:t>
             </a:r>
           </a:p>
         </p:txBody>
@@ -3656,7 +3697,7 @@
               </a:defRPr>
             </a:pPr>
             <a:r>
-              <a:t>期待偉大神做奇妙事</a:t>
+              <a:t>耶穌我敬拜祢到永遠</a:t>
             </a:r>
           </a:p>
         </p:txBody>
@@ -3692,7 +3733,7 @@
               </a:defRPr>
             </a:pPr>
             <a:r>
-              <a:t>【在這裡】</a:t>
+              <a:t>【耶穌的名】</a:t>
             </a:r>
           </a:p>
         </p:txBody>
@@ -3706,7 +3747,7 @@
 </file>
 
 <file path=ppt/slides/slide13.xml><?xml version="1.0" encoding="utf-8"?>
-<p:sld xmlns:a="http://schemas.openxmlformats.org/drawingml/2006/main" xmlns:p="http://schemas.openxmlformats.org/presentationml/2006/main" xmlns:r="http://schemas.openxmlformats.org/officeDocument/2006/relationships">
+<p:sld xmlns:a="http://schemas.openxmlformats.org/drawingml/2006/main" xmlns:r="http://schemas.openxmlformats.org/officeDocument/2006/relationships" xmlns:p="http://schemas.openxmlformats.org/presentationml/2006/main">
   <p:cSld>
     <p:bg>
       <p:bgPr>
@@ -3722,7 +3763,14 @@
         <p:cNvGrpSpPr/>
         <p:nvPr/>
       </p:nvGrpSpPr>
-      <p:grpSpPr/>
+      <p:grpSpPr>
+        <a:xfrm>
+          <a:off x="0" y="0"/>
+          <a:ext cx="0" cy="0"/>
+          <a:chOff x="0" y="0"/>
+          <a:chExt cx="0" cy="0"/>
+        </a:xfrm>
+      </p:grpSpPr>
       <p:sp>
         <p:nvSpPr>
           <p:cNvPr id="2" name="Title 1"/>
@@ -3737,7 +3785,9 @@
         <p:txBody>
           <a:bodyPr/>
           <a:lstStyle/>
-          <a:p/>
+          <a:p>
+            <a:endParaRPr/>
+          </a:p>
         </p:txBody>
       </p:sp>
       <p:sp>
@@ -3771,7 +3821,7 @@
               </a:defRPr>
             </a:pPr>
             <a:r>
-              <a:t>諸天述說天父的榮耀 穹蒼傳揚奇妙的作為</a:t>
+              <a:t>§ 疾病不能 死亡不能 勝過耶穌的名</a:t>
             </a:r>
           </a:p>
         </p:txBody>
@@ -3807,7 +3857,7 @@
               </a:defRPr>
             </a:pPr>
             <a:r>
-              <a:t>張開雙手萬物得飽足 萬口承認祢是我們的神</a:t>
+              <a:t>世上沒有任何困難 勝過耶穌的名</a:t>
             </a:r>
           </a:p>
         </p:txBody>
@@ -3843,7 +3893,7 @@
               </a:defRPr>
             </a:pPr>
             <a:r>
-              <a:t>【我們的神】</a:t>
+              <a:t>【耶穌的名】</a:t>
             </a:r>
           </a:p>
         </p:txBody>
@@ -3857,7 +3907,7 @@
 </file>
 
 <file path=ppt/slides/slide14.xml><?xml version="1.0" encoding="utf-8"?>
-<p:sld xmlns:a="http://schemas.openxmlformats.org/drawingml/2006/main" xmlns:p="http://schemas.openxmlformats.org/presentationml/2006/main" xmlns:r="http://schemas.openxmlformats.org/officeDocument/2006/relationships">
+<p:sld xmlns:a="http://schemas.openxmlformats.org/drawingml/2006/main" xmlns:r="http://schemas.openxmlformats.org/officeDocument/2006/relationships" xmlns:p="http://schemas.openxmlformats.org/presentationml/2006/main">
   <p:cSld>
     <p:bg>
       <p:bgPr>
@@ -3873,7 +3923,14 @@
         <p:cNvGrpSpPr/>
         <p:nvPr/>
       </p:nvGrpSpPr>
-      <p:grpSpPr/>
+      <p:grpSpPr>
+        <a:xfrm>
+          <a:off x="0" y="0"/>
+          <a:ext cx="0" cy="0"/>
+          <a:chOff x="0" y="0"/>
+          <a:chExt cx="0" cy="0"/>
+        </a:xfrm>
+      </p:grpSpPr>
       <p:sp>
         <p:nvSpPr>
           <p:cNvPr id="2" name="Title 1"/>
@@ -3888,7 +3945,9 @@
         <p:txBody>
           <a:bodyPr/>
           <a:lstStyle/>
-          <a:p/>
+          <a:p>
+            <a:endParaRPr/>
+          </a:p>
         </p:txBody>
       </p:sp>
       <p:sp>
@@ -3922,7 +3981,7 @@
               </a:defRPr>
             </a:pPr>
             <a:r>
-              <a:t>※我們的神 坐在寶座上</a:t>
+              <a:t>醫治能力 救贖恩典 都因耶穌的名</a:t>
             </a:r>
           </a:p>
         </p:txBody>
@@ -3958,7 +4017,7 @@
               </a:defRPr>
             </a:pPr>
             <a:r>
-              <a:t>聖殿充滿榮耀萬民敬拜</a:t>
+              <a:t>營壘攻破 爭戰得勝 都因耶穌的名</a:t>
             </a:r>
           </a:p>
         </p:txBody>
@@ -3994,7 +4053,7 @@
               </a:defRPr>
             </a:pPr>
             <a:r>
-              <a:t>【我們的神】</a:t>
+              <a:t>【耶穌的名】</a:t>
             </a:r>
           </a:p>
         </p:txBody>
@@ -4008,7 +4067,7 @@
 </file>
 
 <file path=ppt/slides/slide15.xml><?xml version="1.0" encoding="utf-8"?>
-<p:sld xmlns:a="http://schemas.openxmlformats.org/drawingml/2006/main" xmlns:p="http://schemas.openxmlformats.org/presentationml/2006/main" xmlns:r="http://schemas.openxmlformats.org/officeDocument/2006/relationships">
+<p:sld xmlns:a="http://schemas.openxmlformats.org/drawingml/2006/main" xmlns:r="http://schemas.openxmlformats.org/officeDocument/2006/relationships" xmlns:p="http://schemas.openxmlformats.org/presentationml/2006/main">
   <p:cSld>
     <p:bg>
       <p:bgPr>
@@ -4024,7 +4083,14 @@
         <p:cNvGrpSpPr/>
         <p:nvPr/>
       </p:nvGrpSpPr>
-      <p:grpSpPr/>
+      <p:grpSpPr>
+        <a:xfrm>
+          <a:off x="0" y="0"/>
+          <a:ext cx="0" cy="0"/>
+          <a:chOff x="0" y="0"/>
+          <a:chExt cx="0" cy="0"/>
+        </a:xfrm>
+      </p:grpSpPr>
       <p:sp>
         <p:nvSpPr>
           <p:cNvPr id="2" name="Title 1"/>
@@ -4039,7 +4105,9 @@
         <p:txBody>
           <a:bodyPr/>
           <a:lstStyle/>
-          <a:p/>
+          <a:p>
+            <a:endParaRPr/>
+          </a:p>
         </p:txBody>
       </p:sp>
       <p:sp>
@@ -4050,8 +4118,8 @@
         </p:nvSpPr>
         <p:spPr>
           <a:xfrm>
-            <a:off x="457200" y="91440"/>
-            <a:ext cx="8229600" cy="457200"/>
+            <a:off x="611621" y="91440"/>
+            <a:ext cx="7920759" cy="584775"/>
           </a:xfrm>
           <a:prstGeom prst="rect">
             <a:avLst/>
@@ -4073,8 +4141,26 @@
               </a:defRPr>
             </a:pPr>
             <a:r>
-              <a:t>全能的神 我們尊崇祢</a:t>
-            </a:r>
+              <a:rPr lang="en-US" altLang="zh-TW" dirty="0"/>
+              <a:t>1.</a:t>
+            </a:r>
+            <a:r>
+              <a:rPr dirty="0"/>
+              <a:t>你流出寶血  </a:t>
+            </a:r>
+            <a:r>
+              <a:rPr dirty="0" err="1"/>
+              <a:t>洗淨我汙穢</a:t>
+            </a:r>
+            <a:r>
+              <a:rPr dirty="0"/>
+              <a:t>  </a:t>
+            </a:r>
+            <a:r>
+              <a:rPr dirty="0" err="1"/>
+              <a:t>將我的生命贖回</a:t>
+            </a:r>
+            <a:endParaRPr dirty="0"/>
           </a:p>
         </p:txBody>
       </p:sp>
@@ -4109,7 +4195,7 @@
               </a:defRPr>
             </a:pPr>
             <a:r>
-              <a:t>聖潔榮耀 尊貴 能力 都歸於祢</a:t>
+              <a:t>為了我的罪  犧牲永不悔  顯明你極大恩惠</a:t>
             </a:r>
           </a:p>
         </p:txBody>
@@ -4145,7 +4231,7 @@
               </a:defRPr>
             </a:pPr>
             <a:r>
-              <a:t>【我們的神】</a:t>
+              <a:t>【你愛永不變】</a:t>
             </a:r>
           </a:p>
         </p:txBody>
@@ -4159,7 +4245,7 @@
 </file>
 
 <file path=ppt/slides/slide16.xml><?xml version="1.0" encoding="utf-8"?>
-<p:sld xmlns:a="http://schemas.openxmlformats.org/drawingml/2006/main" xmlns:p="http://schemas.openxmlformats.org/presentationml/2006/main" xmlns:r="http://schemas.openxmlformats.org/officeDocument/2006/relationships">
+<p:sld xmlns:a="http://schemas.openxmlformats.org/drawingml/2006/main" xmlns:r="http://schemas.openxmlformats.org/officeDocument/2006/relationships" xmlns:p="http://schemas.openxmlformats.org/presentationml/2006/main">
   <p:cSld>
     <p:bg>
       <p:bgPr>
@@ -4175,7 +4261,14 @@
         <p:cNvGrpSpPr/>
         <p:nvPr/>
       </p:nvGrpSpPr>
-      <p:grpSpPr/>
+      <p:grpSpPr>
+        <a:xfrm>
+          <a:off x="0" y="0"/>
+          <a:ext cx="0" cy="0"/>
+          <a:chOff x="0" y="0"/>
+          <a:chExt cx="0" cy="0"/>
+        </a:xfrm>
+      </p:grpSpPr>
       <p:sp>
         <p:nvSpPr>
           <p:cNvPr id="2" name="Title 1"/>
@@ -4190,7 +4283,9 @@
         <p:txBody>
           <a:bodyPr/>
           <a:lstStyle/>
-          <a:p/>
+          <a:p>
+            <a:endParaRPr/>
+          </a:p>
         </p:txBody>
       </p:sp>
       <p:sp>
@@ -4201,8 +4296,8 @@
         </p:nvSpPr>
         <p:spPr>
           <a:xfrm>
-            <a:off x="457200" y="91440"/>
-            <a:ext cx="8229600" cy="457200"/>
+            <a:off x="611621" y="91440"/>
+            <a:ext cx="7920759" cy="584775"/>
           </a:xfrm>
           <a:prstGeom prst="rect">
             <a:avLst/>
@@ -4224,8 +4319,26 @@
               </a:defRPr>
             </a:pPr>
             <a:r>
-              <a:t>§祢說話 命立就立 祢吹氣 就得生命</a:t>
-            </a:r>
+              <a:rPr lang="en-US" altLang="zh-TW" dirty="0"/>
+              <a:t>2.</a:t>
+            </a:r>
+            <a:r>
+              <a:rPr dirty="0"/>
+              <a:t>我深深體會  </a:t>
+            </a:r>
+            <a:r>
+              <a:rPr dirty="0" err="1"/>
+              <a:t>你愛的寶貴</a:t>
+            </a:r>
+            <a:r>
+              <a:rPr dirty="0"/>
+              <a:t>  </a:t>
+            </a:r>
+            <a:r>
+              <a:rPr dirty="0" err="1"/>
+              <a:t>獻上自己永追隨</a:t>
+            </a:r>
+            <a:endParaRPr dirty="0"/>
           </a:p>
         </p:txBody>
       </p:sp>
@@ -4237,8 +4350,8 @@
         </p:nvSpPr>
         <p:spPr>
           <a:xfrm>
-            <a:off x="457200" y="640080"/>
-            <a:ext cx="8229600" cy="457200"/>
+            <a:off x="-92097" y="640080"/>
+            <a:ext cx="9328195" cy="569387"/>
           </a:xfrm>
           <a:prstGeom prst="rect">
             <a:avLst/>
@@ -4260,8 +4373,26 @@
               </a:defRPr>
             </a:pPr>
             <a:r>
-              <a:t>萬物齊唱 哈利路亞 聖哉聖哉聖哉</a:t>
-            </a:r>
+              <a:rPr sz="3100" dirty="0" err="1"/>
+              <a:t>或傷心或氣餒</a:t>
+            </a:r>
+            <a:r>
+              <a:rPr sz="3100" dirty="0"/>
+              <a:t>  </a:t>
+            </a:r>
+            <a:r>
+              <a:rPr sz="3100" dirty="0" err="1"/>
+              <a:t>或生離或死別</a:t>
+            </a:r>
+            <a:r>
+              <a:rPr sz="3100" dirty="0"/>
+              <a:t>  </a:t>
+            </a:r>
+            <a:r>
+              <a:rPr sz="3100" dirty="0" err="1"/>
+              <a:t>願剛強壯膽永遠不後退</a:t>
+            </a:r>
+            <a:endParaRPr sz="3100" dirty="0"/>
           </a:p>
         </p:txBody>
       </p:sp>
@@ -4296,7 +4427,7 @@
               </a:defRPr>
             </a:pPr>
             <a:r>
-              <a:t>【我們的神】</a:t>
+              <a:t>【你愛永不變】</a:t>
             </a:r>
           </a:p>
         </p:txBody>
@@ -4310,7 +4441,7 @@
 </file>
 
 <file path=ppt/slides/slide17.xml><?xml version="1.0" encoding="utf-8"?>
-<p:sld xmlns:a="http://schemas.openxmlformats.org/drawingml/2006/main" xmlns:p="http://schemas.openxmlformats.org/presentationml/2006/main" xmlns:r="http://schemas.openxmlformats.org/officeDocument/2006/relationships">
+<p:sld xmlns:a="http://schemas.openxmlformats.org/drawingml/2006/main" xmlns:r="http://schemas.openxmlformats.org/officeDocument/2006/relationships" xmlns:p="http://schemas.openxmlformats.org/presentationml/2006/main">
   <p:cSld>
     <p:bg>
       <p:bgPr>
@@ -4326,7 +4457,14 @@
         <p:cNvGrpSpPr/>
         <p:nvPr/>
       </p:nvGrpSpPr>
-      <p:grpSpPr/>
+      <p:grpSpPr>
+        <a:xfrm>
+          <a:off x="0" y="0"/>
+          <a:ext cx="0" cy="0"/>
+          <a:chOff x="0" y="0"/>
+          <a:chExt cx="0" cy="0"/>
+        </a:xfrm>
+      </p:grpSpPr>
       <p:sp>
         <p:nvSpPr>
           <p:cNvPr id="2" name="Title 1"/>
@@ -4341,7 +4479,9 @@
         <p:txBody>
           <a:bodyPr/>
           <a:lstStyle/>
-          <a:p/>
+          <a:p>
+            <a:endParaRPr/>
+          </a:p>
         </p:txBody>
       </p:sp>
       <p:sp>
@@ -4375,7 +4515,7 @@
               </a:defRPr>
             </a:pPr>
             <a:r>
-              <a:t>1.當我在患難之中 我仍要信靠耶穌</a:t>
+              <a:t>※哦～你愛永不變  從今直到永遠</a:t>
             </a:r>
           </a:p>
         </p:txBody>
@@ -4411,7 +4551,7 @@
               </a:defRPr>
             </a:pPr>
             <a:r>
-              <a:t>祢是我的一切 我心所依靠的</a:t>
+              <a:t>深深澆灌我心田</a:t>
             </a:r>
           </a:p>
         </p:txBody>
@@ -4447,7 +4587,7 @@
               </a:defRPr>
             </a:pPr>
             <a:r>
-              <a:t>【耶穌永遠掌權】</a:t>
+              <a:t>【你愛永不變】</a:t>
             </a:r>
           </a:p>
         </p:txBody>
@@ -4461,7 +4601,7 @@
 </file>
 
 <file path=ppt/slides/slide18.xml><?xml version="1.0" encoding="utf-8"?>
-<p:sld xmlns:a="http://schemas.openxmlformats.org/drawingml/2006/main" xmlns:p="http://schemas.openxmlformats.org/presentationml/2006/main" xmlns:r="http://schemas.openxmlformats.org/officeDocument/2006/relationships">
+<p:sld xmlns:a="http://schemas.openxmlformats.org/drawingml/2006/main" xmlns:r="http://schemas.openxmlformats.org/officeDocument/2006/relationships" xmlns:p="http://schemas.openxmlformats.org/presentationml/2006/main">
   <p:cSld>
     <p:bg>
       <p:bgPr>
@@ -4477,7 +4617,14 @@
         <p:cNvGrpSpPr/>
         <p:nvPr/>
       </p:nvGrpSpPr>
-      <p:grpSpPr/>
+      <p:grpSpPr>
+        <a:xfrm>
+          <a:off x="0" y="0"/>
+          <a:ext cx="0" cy="0"/>
+          <a:chOff x="0" y="0"/>
+          <a:chExt cx="0" cy="0"/>
+        </a:xfrm>
+      </p:grpSpPr>
       <p:sp>
         <p:nvSpPr>
           <p:cNvPr id="2" name="Title 1"/>
@@ -4492,7 +4639,9 @@
         <p:txBody>
           <a:bodyPr/>
           <a:lstStyle/>
-          <a:p/>
+          <a:p>
+            <a:endParaRPr/>
+          </a:p>
         </p:txBody>
       </p:sp>
       <p:sp>
@@ -4526,7 +4675,7 @@
               </a:defRPr>
             </a:pPr>
             <a:r>
-              <a:t>2.當我的心動搖時 我仍要讚美耶穌</a:t>
+              <a:t>或天旋或地轉  經滄海歷桑田</a:t>
             </a:r>
           </a:p>
         </p:txBody>
@@ -4562,7 +4711,7 @@
               </a:defRPr>
             </a:pPr>
             <a:r>
-              <a:t>祢是我的盼望 我心所依靠的</a:t>
+              <a:t>都不能叫我與你愛隔絕</a:t>
             </a:r>
           </a:p>
         </p:txBody>
@@ -4598,7 +4747,7 @@
               </a:defRPr>
             </a:pPr>
             <a:r>
-              <a:t>【耶穌永遠掌權】</a:t>
+              <a:t>【你愛永不變】</a:t>
             </a:r>
           </a:p>
         </p:txBody>
@@ -4612,7 +4761,7 @@
 </file>
 
 <file path=ppt/slides/slide19.xml><?xml version="1.0" encoding="utf-8"?>
-<p:sld xmlns:a="http://schemas.openxmlformats.org/drawingml/2006/main" xmlns:p="http://schemas.openxmlformats.org/presentationml/2006/main" xmlns:r="http://schemas.openxmlformats.org/officeDocument/2006/relationships">
+<p:sld xmlns:a="http://schemas.openxmlformats.org/drawingml/2006/main" xmlns:r="http://schemas.openxmlformats.org/officeDocument/2006/relationships" xmlns:p="http://schemas.openxmlformats.org/presentationml/2006/main">
   <p:cSld>
     <p:bg>
       <p:bgPr>
@@ -4628,7 +4777,14 @@
         <p:cNvGrpSpPr/>
         <p:nvPr/>
       </p:nvGrpSpPr>
-      <p:grpSpPr/>
+      <p:grpSpPr>
+        <a:xfrm>
+          <a:off x="0" y="0"/>
+          <a:ext cx="0" cy="0"/>
+          <a:chOff x="0" y="0"/>
+          <a:chExt cx="0" cy="0"/>
+        </a:xfrm>
+      </p:grpSpPr>
       <p:sp>
         <p:nvSpPr>
           <p:cNvPr id="2" name="Title 1"/>
@@ -4643,7 +4799,9 @@
         <p:txBody>
           <a:bodyPr/>
           <a:lstStyle/>
-          <a:p/>
+          <a:p>
+            <a:endParaRPr/>
+          </a:p>
         </p:txBody>
       </p:sp>
       <p:sp>
@@ -4654,8 +4812,8 @@
         </p:nvSpPr>
         <p:spPr>
           <a:xfrm>
-            <a:off x="457200" y="91440"/>
-            <a:ext cx="8229600" cy="457200"/>
+            <a:off x="2406984" y="91440"/>
+            <a:ext cx="4330032" cy="584775"/>
           </a:xfrm>
           <a:prstGeom prst="rect">
             <a:avLst/>
@@ -4677,8 +4835,18 @@
               </a:defRPr>
             </a:pPr>
             <a:r>
-              <a:t>※哈利路亞 哈利路亞 耶穌永遠掌權</a:t>
-            </a:r>
+              <a:rPr lang="en-US" altLang="zh-TW" dirty="0"/>
+              <a:t>1.</a:t>
+            </a:r>
+            <a:r>
+              <a:rPr dirty="0"/>
+              <a:t>主耶穌 </a:t>
+            </a:r>
+            <a:r>
+              <a:rPr dirty="0" err="1"/>
+              <a:t>祢召我出黑暗</a:t>
+            </a:r>
+            <a:endParaRPr dirty="0"/>
           </a:p>
         </p:txBody>
       </p:sp>
@@ -4713,7 +4881,7 @@
               </a:defRPr>
             </a:pPr>
             <a:r>
-              <a:t>哈利路亞 哈利路亞 耶穌永遠掌權</a:t>
+              <a:t>入奇妙光明 賞賜獨特的位份</a:t>
             </a:r>
           </a:p>
         </p:txBody>
@@ -4749,7 +4917,7 @@
               </a:defRPr>
             </a:pPr>
             <a:r>
-              <a:t>【耶穌永遠掌權】</a:t>
+              <a:t>【成為神蹟的器皿】</a:t>
             </a:r>
           </a:p>
         </p:txBody>
@@ -4763,7 +4931,7 @@
 </file>
 
 <file path=ppt/slides/slide2.xml><?xml version="1.0" encoding="utf-8"?>
-<p:sld xmlns:a="http://schemas.openxmlformats.org/drawingml/2006/main" xmlns:p="http://schemas.openxmlformats.org/presentationml/2006/main" xmlns:r="http://schemas.openxmlformats.org/officeDocument/2006/relationships">
+<p:sld xmlns:a="http://schemas.openxmlformats.org/drawingml/2006/main" xmlns:r="http://schemas.openxmlformats.org/officeDocument/2006/relationships" xmlns:p="http://schemas.openxmlformats.org/presentationml/2006/main">
   <p:cSld>
     <p:bg>
       <p:bgPr>
@@ -4779,7 +4947,14 @@
         <p:cNvGrpSpPr/>
         <p:nvPr/>
       </p:nvGrpSpPr>
-      <p:grpSpPr/>
+      <p:grpSpPr>
+        <a:xfrm>
+          <a:off x="0" y="0"/>
+          <a:ext cx="0" cy="0"/>
+          <a:chOff x="0" y="0"/>
+          <a:chExt cx="0" cy="0"/>
+        </a:xfrm>
+      </p:grpSpPr>
       <p:sp>
         <p:nvSpPr>
           <p:cNvPr id="2" name="Title 1"/>
@@ -4794,7 +4969,9 @@
         <p:txBody>
           <a:bodyPr/>
           <a:lstStyle/>
-          <a:p/>
+          <a:p>
+            <a:endParaRPr/>
+          </a:p>
         </p:txBody>
       </p:sp>
       <p:sp>
@@ -4805,8 +4982,8 @@
         </p:nvSpPr>
         <p:spPr>
           <a:xfrm>
-            <a:off x="457200" y="91440"/>
-            <a:ext cx="8229600" cy="457200"/>
+            <a:off x="1791431" y="91440"/>
+            <a:ext cx="5561138" cy="584775"/>
           </a:xfrm>
           <a:prstGeom prst="rect">
             <a:avLst/>
@@ -4828,8 +5005,18 @@
               </a:defRPr>
             </a:pPr>
             <a:r>
-              <a:t>將天敞開 祢的榮耀降下來</a:t>
-            </a:r>
+              <a:rPr lang="en-US" altLang="zh-TW" dirty="0"/>
+              <a:t>2.</a:t>
+            </a:r>
+            <a:r>
+              <a:rPr dirty="0"/>
+              <a:t>耶和華是我牧者 </a:t>
+            </a:r>
+            <a:r>
+              <a:rPr dirty="0" err="1"/>
+              <a:t>必不致缺乏</a:t>
+            </a:r>
+            <a:endParaRPr dirty="0"/>
           </a:p>
         </p:txBody>
       </p:sp>
@@ -4864,7 +5051,7 @@
               </a:defRPr>
             </a:pPr>
             <a:r>
-              <a:t>萬國讚嘆祢 祢是榮耀君王</a:t>
+              <a:t>有耶和華作我旌旗 必全然得勝</a:t>
             </a:r>
           </a:p>
         </p:txBody>
@@ -4900,7 +5087,7 @@
               </a:defRPr>
             </a:pPr>
             <a:r>
-              <a:t>【將天敞開】</a:t>
+              <a:t>【叫我抬起頭的神】</a:t>
             </a:r>
           </a:p>
         </p:txBody>
@@ -4914,7 +5101,7 @@
 </file>
 
 <file path=ppt/slides/slide20.xml><?xml version="1.0" encoding="utf-8"?>
-<p:sld xmlns:a="http://schemas.openxmlformats.org/drawingml/2006/main" xmlns:p="http://schemas.openxmlformats.org/presentationml/2006/main" xmlns:r="http://schemas.openxmlformats.org/officeDocument/2006/relationships">
+<p:sld xmlns:a="http://schemas.openxmlformats.org/drawingml/2006/main" xmlns:r="http://schemas.openxmlformats.org/officeDocument/2006/relationships" xmlns:p="http://schemas.openxmlformats.org/presentationml/2006/main">
   <p:cSld>
     <p:bg>
       <p:bgPr>
@@ -4930,7 +5117,14 @@
         <p:cNvGrpSpPr/>
         <p:nvPr/>
       </p:nvGrpSpPr>
-      <p:grpSpPr/>
+      <p:grpSpPr>
+        <a:xfrm>
+          <a:off x="0" y="0"/>
+          <a:ext cx="0" cy="0"/>
+          <a:chOff x="0" y="0"/>
+          <a:chExt cx="0" cy="0"/>
+        </a:xfrm>
+      </p:grpSpPr>
       <p:sp>
         <p:nvSpPr>
           <p:cNvPr id="2" name="Title 1"/>
@@ -4945,7 +5139,9 @@
         <p:txBody>
           <a:bodyPr/>
           <a:lstStyle/>
-          <a:p/>
+          <a:p>
+            <a:endParaRPr/>
+          </a:p>
         </p:txBody>
       </p:sp>
       <p:sp>
@@ -4956,8 +5152,8 @@
         </p:nvSpPr>
         <p:spPr>
           <a:xfrm>
-            <a:off x="457200" y="91440"/>
-            <a:ext cx="8229600" cy="457200"/>
+            <a:off x="2253096" y="91440"/>
+            <a:ext cx="4637809" cy="584775"/>
           </a:xfrm>
           <a:prstGeom prst="rect">
             <a:avLst/>
@@ -4979,7 +5175,12 @@
               </a:defRPr>
             </a:pPr>
             <a:r>
-              <a:t>§白晝 祢向我施慈愛 黑夜 我要歌頌禱告</a:t>
+              <a:rPr lang="en-US" altLang="zh-TW" dirty="0"/>
+              <a:t>2.</a:t>
+            </a:r>
+            <a:r>
+              <a:rPr dirty="0"/>
+              <a:t>在基督裡我是新造的人</a:t>
             </a:r>
           </a:p>
         </p:txBody>
@@ -5015,7 +5216,7 @@
               </a:defRPr>
             </a:pPr>
             <a:r>
-              <a:t>祢是我的詩歌 我的避難所 叫我抬起頭的神</a:t>
+              <a:t>祢看為寶貴 獻上為祢所用</a:t>
             </a:r>
           </a:p>
         </p:txBody>
@@ -5051,7 +5252,7 @@
               </a:defRPr>
             </a:pPr>
             <a:r>
-              <a:t>【耶穌永遠掌權】</a:t>
+              <a:t>【成為神蹟的器皿】</a:t>
             </a:r>
           </a:p>
         </p:txBody>
@@ -5065,7 +5266,7 @@
 </file>
 
 <file path=ppt/slides/slide21.xml><?xml version="1.0" encoding="utf-8"?>
-<p:sld xmlns:a="http://schemas.openxmlformats.org/drawingml/2006/main" xmlns:p="http://schemas.openxmlformats.org/presentationml/2006/main" xmlns:r="http://schemas.openxmlformats.org/officeDocument/2006/relationships">
+<p:sld xmlns:a="http://schemas.openxmlformats.org/drawingml/2006/main" xmlns:r="http://schemas.openxmlformats.org/officeDocument/2006/relationships" xmlns:p="http://schemas.openxmlformats.org/presentationml/2006/main">
   <p:cSld>
     <p:bg>
       <p:bgPr>
@@ -5081,7 +5282,14 @@
         <p:cNvGrpSpPr/>
         <p:nvPr/>
       </p:nvGrpSpPr>
-      <p:grpSpPr/>
+      <p:grpSpPr>
+        <a:xfrm>
+          <a:off x="0" y="0"/>
+          <a:ext cx="0" cy="0"/>
+          <a:chOff x="0" y="0"/>
+          <a:chExt cx="0" cy="0"/>
+        </a:xfrm>
+      </p:grpSpPr>
       <p:sp>
         <p:nvSpPr>
           <p:cNvPr id="2" name="Title 1"/>
@@ -5096,7 +5304,9 @@
         <p:txBody>
           <a:bodyPr/>
           <a:lstStyle/>
-          <a:p/>
+          <a:p>
+            <a:endParaRPr/>
+          </a:p>
         </p:txBody>
       </p:sp>
       <p:sp>
@@ -5130,7 +5340,7 @@
               </a:defRPr>
             </a:pPr>
             <a:r>
-              <a:t>以禱告播下救恩的種子</a:t>
+              <a:t>※1.讓我成為祢神蹟的器皿</a:t>
             </a:r>
           </a:p>
         </p:txBody>
@@ -5166,7 +5376,7 @@
               </a:defRPr>
             </a:pPr>
             <a:r>
-              <a:t>以淚水澆灌心靈的深處</a:t>
+              <a:t>被揀選族類 君尊的祭司</a:t>
             </a:r>
           </a:p>
         </p:txBody>
@@ -5202,7 +5412,7 @@
               </a:defRPr>
             </a:pPr>
             <a:r>
-              <a:t>【禱告的力量】</a:t>
+              <a:t>【成為神蹟的器皿】</a:t>
             </a:r>
           </a:p>
         </p:txBody>
@@ -5216,7 +5426,7 @@
 </file>
 
 <file path=ppt/slides/slide22.xml><?xml version="1.0" encoding="utf-8"?>
-<p:sld xmlns:a="http://schemas.openxmlformats.org/drawingml/2006/main" xmlns:p="http://schemas.openxmlformats.org/presentationml/2006/main" xmlns:r="http://schemas.openxmlformats.org/officeDocument/2006/relationships">
+<p:sld xmlns:a="http://schemas.openxmlformats.org/drawingml/2006/main" xmlns:r="http://schemas.openxmlformats.org/officeDocument/2006/relationships" xmlns:p="http://schemas.openxmlformats.org/presentationml/2006/main">
   <p:cSld>
     <p:bg>
       <p:bgPr>
@@ -5232,7 +5442,14 @@
         <p:cNvGrpSpPr/>
         <p:nvPr/>
       </p:nvGrpSpPr>
-      <p:grpSpPr/>
+      <p:grpSpPr>
+        <a:xfrm>
+          <a:off x="0" y="0"/>
+          <a:ext cx="0" cy="0"/>
+          <a:chOff x="0" y="0"/>
+          <a:chExt cx="0" cy="0"/>
+        </a:xfrm>
+      </p:grpSpPr>
       <p:sp>
         <p:nvSpPr>
           <p:cNvPr id="2" name="Title 1"/>
@@ -5247,7 +5464,9 @@
         <p:txBody>
           <a:bodyPr/>
           <a:lstStyle/>
-          <a:p/>
+          <a:p>
+            <a:endParaRPr/>
+          </a:p>
         </p:txBody>
       </p:sp>
       <p:sp>
@@ -5281,7 +5500,7 @@
               </a:defRPr>
             </a:pPr>
             <a:r>
-              <a:t>神的靈使軟弱的心變得剛強</a:t>
+              <a:t>聖潔的國度 屬神的子民</a:t>
             </a:r>
           </a:p>
         </p:txBody>
@@ -5317,7 +5536,7 @@
               </a:defRPr>
             </a:pPr>
             <a:r>
-              <a:t>我的信心建立在耶穌這磐石上</a:t>
+              <a:t>來宣揚主耶穌 彰顯神的榮耀</a:t>
             </a:r>
           </a:p>
         </p:txBody>
@@ -5353,7 +5572,7 @@
               </a:defRPr>
             </a:pPr>
             <a:r>
-              <a:t>【禱告的力量】</a:t>
+              <a:t>【成為神蹟的器皿】</a:t>
             </a:r>
           </a:p>
         </p:txBody>
@@ -5367,7 +5586,7 @@
 </file>
 
 <file path=ppt/slides/slide23.xml><?xml version="1.0" encoding="utf-8"?>
-<p:sld xmlns:a="http://schemas.openxmlformats.org/drawingml/2006/main" xmlns:p="http://schemas.openxmlformats.org/presentationml/2006/main" xmlns:r="http://schemas.openxmlformats.org/officeDocument/2006/relationships">
+<p:sld xmlns:a="http://schemas.openxmlformats.org/drawingml/2006/main" xmlns:r="http://schemas.openxmlformats.org/officeDocument/2006/relationships" xmlns:p="http://schemas.openxmlformats.org/presentationml/2006/main">
   <p:cSld>
     <p:bg>
       <p:bgPr>
@@ -5383,7 +5602,14 @@
         <p:cNvGrpSpPr/>
         <p:nvPr/>
       </p:nvGrpSpPr>
-      <p:grpSpPr/>
+      <p:grpSpPr>
+        <a:xfrm>
+          <a:off x="0" y="0"/>
+          <a:ext cx="0" cy="0"/>
+          <a:chOff x="0" y="0"/>
+          <a:chExt cx="0" cy="0"/>
+        </a:xfrm>
+      </p:grpSpPr>
       <p:sp>
         <p:nvSpPr>
           <p:cNvPr id="2" name="Title 1"/>
@@ -5398,7 +5624,9 @@
         <p:txBody>
           <a:bodyPr/>
           <a:lstStyle/>
-          <a:p/>
+          <a:p>
+            <a:endParaRPr/>
+          </a:p>
         </p:txBody>
       </p:sp>
       <p:sp>
@@ -5432,7 +5660,7 @@
               </a:defRPr>
             </a:pPr>
             <a:r>
-              <a:t>※禱告的力量時間可以證明</a:t>
+              <a:t>※2.讓我成為祢神蹟的器皿</a:t>
             </a:r>
           </a:p>
         </p:txBody>
@@ -5468,7 +5696,7 @@
               </a:defRPr>
             </a:pPr>
             <a:r>
-              <a:t>改變的大能在耶穌基督裡</a:t>
+              <a:t>以信心的眼睛 看見新的盼望</a:t>
             </a:r>
           </a:p>
         </p:txBody>
@@ -5504,7 +5732,7 @@
               </a:defRPr>
             </a:pPr>
             <a:r>
-              <a:t>【禱告的力量】</a:t>
+              <a:t>【成為神蹟的器皿】</a:t>
             </a:r>
           </a:p>
         </p:txBody>
@@ -5518,7 +5746,7 @@
 </file>
 
 <file path=ppt/slides/slide24.xml><?xml version="1.0" encoding="utf-8"?>
-<p:sld xmlns:a="http://schemas.openxmlformats.org/drawingml/2006/main" xmlns:p="http://schemas.openxmlformats.org/presentationml/2006/main" xmlns:r="http://schemas.openxmlformats.org/officeDocument/2006/relationships">
+<p:sld xmlns:a="http://schemas.openxmlformats.org/drawingml/2006/main" xmlns:r="http://schemas.openxmlformats.org/officeDocument/2006/relationships" xmlns:p="http://schemas.openxmlformats.org/presentationml/2006/main">
   <p:cSld>
     <p:bg>
       <p:bgPr>
@@ -5534,7 +5762,14 @@
         <p:cNvGrpSpPr/>
         <p:nvPr/>
       </p:nvGrpSpPr>
-      <p:grpSpPr/>
+      <p:grpSpPr>
+        <a:xfrm>
+          <a:off x="0" y="0"/>
+          <a:ext cx="0" cy="0"/>
+          <a:chOff x="0" y="0"/>
+          <a:chExt cx="0" cy="0"/>
+        </a:xfrm>
+      </p:grpSpPr>
       <p:sp>
         <p:nvSpPr>
           <p:cNvPr id="2" name="Title 1"/>
@@ -5549,7 +5784,9 @@
         <p:txBody>
           <a:bodyPr/>
           <a:lstStyle/>
-          <a:p/>
+          <a:p>
+            <a:endParaRPr/>
+          </a:p>
         </p:txBody>
       </p:sp>
       <p:sp>
@@ -5583,7 +5820,7 @@
               </a:defRPr>
             </a:pPr>
             <a:r>
-              <a:t>獻上馨香之祭直達到祢寶座前</a:t>
+              <a:t>用祢的大能和愛來充滿我</a:t>
             </a:r>
           </a:p>
         </p:txBody>
@@ -5619,7 +5856,7 @@
               </a:defRPr>
             </a:pPr>
             <a:r>
-              <a:t>因祢信實 祢必垂聽每個呼求</a:t>
+              <a:t>我要傳揚主的愛 讓世界更美好</a:t>
             </a:r>
           </a:p>
         </p:txBody>
@@ -5655,7 +5892,7 @@
               </a:defRPr>
             </a:pPr>
             <a:r>
-              <a:t>【禱告的力量】</a:t>
+              <a:t>【成為神蹟的器皿】</a:t>
             </a:r>
           </a:p>
         </p:txBody>
@@ -5669,7 +5906,7 @@
 </file>
 
 <file path=ppt/slides/slide3.xml><?xml version="1.0" encoding="utf-8"?>
-<p:sld xmlns:a="http://schemas.openxmlformats.org/drawingml/2006/main" xmlns:p="http://schemas.openxmlformats.org/presentationml/2006/main" xmlns:r="http://schemas.openxmlformats.org/officeDocument/2006/relationships">
+<p:sld xmlns:a="http://schemas.openxmlformats.org/drawingml/2006/main" xmlns:r="http://schemas.openxmlformats.org/officeDocument/2006/relationships" xmlns:p="http://schemas.openxmlformats.org/presentationml/2006/main">
   <p:cSld>
     <p:bg>
       <p:bgPr>
@@ -5685,7 +5922,14 @@
         <p:cNvGrpSpPr/>
         <p:nvPr/>
       </p:nvGrpSpPr>
-      <p:grpSpPr/>
+      <p:grpSpPr>
+        <a:xfrm>
+          <a:off x="0" y="0"/>
+          <a:ext cx="0" cy="0"/>
+          <a:chOff x="0" y="0"/>
+          <a:chExt cx="0" cy="0"/>
+        </a:xfrm>
+      </p:grpSpPr>
       <p:sp>
         <p:nvSpPr>
           <p:cNvPr id="2" name="Title 1"/>
@@ -5700,7 +5944,9 @@
         <p:txBody>
           <a:bodyPr/>
           <a:lstStyle/>
-          <a:p/>
+          <a:p>
+            <a:endParaRPr/>
+          </a:p>
         </p:txBody>
       </p:sp>
       <p:sp>
@@ -5734,7 +5980,7 @@
               </a:defRPr>
             </a:pPr>
             <a:r>
-              <a:t>※天上地下 合一敬拜</a:t>
+              <a:t>※耶和華是我四圍的盾牌</a:t>
             </a:r>
           </a:p>
         </p:txBody>
@@ -5770,7 +6016,7 @@
               </a:defRPr>
             </a:pPr>
             <a:r>
-              <a:t>歡呼耶穌基督 聖潔羔羊 榮耀歸於祢</a:t>
+              <a:t>是我的榮耀  又是叫我抬起頭的神</a:t>
             </a:r>
           </a:p>
         </p:txBody>
@@ -5806,7 +6052,7 @@
               </a:defRPr>
             </a:pPr>
             <a:r>
-              <a:t>【將天敞開】</a:t>
+              <a:t>【叫我抬起頭的神】</a:t>
             </a:r>
           </a:p>
         </p:txBody>
@@ -5820,7 +6066,7 @@
 </file>
 
 <file path=ppt/slides/slide4.xml><?xml version="1.0" encoding="utf-8"?>
-<p:sld xmlns:a="http://schemas.openxmlformats.org/drawingml/2006/main" xmlns:p="http://schemas.openxmlformats.org/presentationml/2006/main" xmlns:r="http://schemas.openxmlformats.org/officeDocument/2006/relationships">
+<p:sld xmlns:a="http://schemas.openxmlformats.org/drawingml/2006/main" xmlns:r="http://schemas.openxmlformats.org/officeDocument/2006/relationships" xmlns:p="http://schemas.openxmlformats.org/presentationml/2006/main">
   <p:cSld>
     <p:bg>
       <p:bgPr>
@@ -5836,7 +6082,14 @@
         <p:cNvGrpSpPr/>
         <p:nvPr/>
       </p:nvGrpSpPr>
-      <p:grpSpPr/>
+      <p:grpSpPr>
+        <a:xfrm>
+          <a:off x="0" y="0"/>
+          <a:ext cx="0" cy="0"/>
+          <a:chOff x="0" y="0"/>
+          <a:chExt cx="0" cy="0"/>
+        </a:xfrm>
+      </p:grpSpPr>
       <p:sp>
         <p:nvSpPr>
           <p:cNvPr id="2" name="Title 1"/>
@@ -5851,7 +6104,9 @@
         <p:txBody>
           <a:bodyPr/>
           <a:lstStyle/>
-          <a:p/>
+          <a:p>
+            <a:endParaRPr/>
+          </a:p>
         </p:txBody>
       </p:sp>
       <p:sp>
@@ -5885,7 +6140,7 @@
               </a:defRPr>
             </a:pPr>
             <a:r>
-              <a:t>天上地下 在永恆裡敬拜</a:t>
+              <a:t>一宿雖然有哭泣 早晨我們必歡呼</a:t>
             </a:r>
           </a:p>
         </p:txBody>
@@ -5921,7 +6176,7 @@
               </a:defRPr>
             </a:pPr>
             <a:r>
-              <a:t>哈利路亞 哈利路亞</a:t>
+              <a:t>祢是我的磐石我的幫助</a:t>
             </a:r>
           </a:p>
         </p:txBody>
@@ -5957,7 +6212,7 @@
               </a:defRPr>
             </a:pPr>
             <a:r>
-              <a:t>【將天敞開】</a:t>
+              <a:t>【叫我抬起頭的神】</a:t>
             </a:r>
           </a:p>
         </p:txBody>
@@ -5971,7 +6226,7 @@
 </file>
 
 <file path=ppt/slides/slide5.xml><?xml version="1.0" encoding="utf-8"?>
-<p:sld xmlns:a="http://schemas.openxmlformats.org/drawingml/2006/main" xmlns:p="http://schemas.openxmlformats.org/presentationml/2006/main" xmlns:r="http://schemas.openxmlformats.org/officeDocument/2006/relationships">
+<p:sld xmlns:a="http://schemas.openxmlformats.org/drawingml/2006/main" xmlns:r="http://schemas.openxmlformats.org/officeDocument/2006/relationships" xmlns:p="http://schemas.openxmlformats.org/presentationml/2006/main">
   <p:cSld>
     <p:bg>
       <p:bgPr>
@@ -5987,7 +6242,14 @@
         <p:cNvGrpSpPr/>
         <p:nvPr/>
       </p:nvGrpSpPr>
-      <p:grpSpPr/>
+      <p:grpSpPr>
+        <a:xfrm>
+          <a:off x="0" y="0"/>
+          <a:ext cx="0" cy="0"/>
+          <a:chOff x="0" y="0"/>
+          <a:chExt cx="0" cy="0"/>
+        </a:xfrm>
+      </p:grpSpPr>
       <p:sp>
         <p:nvSpPr>
           <p:cNvPr id="2" name="Title 1"/>
@@ -6002,7 +6264,9 @@
         <p:txBody>
           <a:bodyPr/>
           <a:lstStyle/>
-          <a:p/>
+          <a:p>
+            <a:endParaRPr/>
+          </a:p>
         </p:txBody>
       </p:sp>
       <p:sp>
@@ -6013,8 +6277,8 @@
         </p:nvSpPr>
         <p:spPr>
           <a:xfrm>
-            <a:off x="457200" y="91440"/>
-            <a:ext cx="8229600" cy="457200"/>
+            <a:off x="1996615" y="91440"/>
+            <a:ext cx="5150770" cy="584775"/>
           </a:xfrm>
           <a:prstGeom prst="rect">
             <a:avLst/>
@@ -6036,8 +6300,18 @@
               </a:defRPr>
             </a:pPr>
             <a:r>
-              <a:t>§ 神就在這裡 我們歡迎祢</a:t>
-            </a:r>
+              <a:rPr lang="en-US" altLang="zh-TW" dirty="0"/>
+              <a:t>1.</a:t>
+            </a:r>
+            <a:r>
+              <a:rPr dirty="0"/>
+              <a:t>有一位真神 </a:t>
+            </a:r>
+            <a:r>
+              <a:rPr dirty="0" err="1"/>
+              <a:t>祂名字叫耶穌</a:t>
+            </a:r>
+            <a:endParaRPr dirty="0"/>
           </a:p>
         </p:txBody>
       </p:sp>
@@ -6072,7 +6346,7 @@
               </a:defRPr>
             </a:pPr>
             <a:r>
-              <a:t>讓一切焦點轉向祢</a:t>
+              <a:t>祂來到這世界上 為要救贖你</a:t>
             </a:r>
           </a:p>
         </p:txBody>
@@ -6108,7 +6382,7 @@
               </a:defRPr>
             </a:pPr>
             <a:r>
-              <a:t>【將天敞開】</a:t>
+              <a:t>【永恆唯一的盼望】</a:t>
             </a:r>
           </a:p>
         </p:txBody>
@@ -6122,7 +6396,7 @@
 </file>
 
 <file path=ppt/slides/slide6.xml><?xml version="1.0" encoding="utf-8"?>
-<p:sld xmlns:a="http://schemas.openxmlformats.org/drawingml/2006/main" xmlns:p="http://schemas.openxmlformats.org/presentationml/2006/main" xmlns:r="http://schemas.openxmlformats.org/officeDocument/2006/relationships">
+<p:sld xmlns:a="http://schemas.openxmlformats.org/drawingml/2006/main" xmlns:r="http://schemas.openxmlformats.org/officeDocument/2006/relationships" xmlns:p="http://schemas.openxmlformats.org/presentationml/2006/main">
   <p:cSld>
     <p:bg>
       <p:bgPr>
@@ -6138,7 +6412,14 @@
         <p:cNvGrpSpPr/>
         <p:nvPr/>
       </p:nvGrpSpPr>
-      <p:grpSpPr/>
+      <p:grpSpPr>
+        <a:xfrm>
+          <a:off x="0" y="0"/>
+          <a:ext cx="0" cy="0"/>
+          <a:chOff x="0" y="0"/>
+          <a:chExt cx="0" cy="0"/>
+        </a:xfrm>
+      </p:grpSpPr>
       <p:sp>
         <p:nvSpPr>
           <p:cNvPr id="2" name="Title 1"/>
@@ -6153,7 +6434,9 @@
         <p:txBody>
           <a:bodyPr/>
           <a:lstStyle/>
-          <a:p/>
+          <a:p>
+            <a:endParaRPr/>
+          </a:p>
         </p:txBody>
       </p:sp>
       <p:sp>
@@ -6187,7 +6470,7 @@
               </a:defRPr>
             </a:pPr>
             <a:r>
-              <a:t>神就在這裡 我們歡迎祢</a:t>
+              <a:t>生命的意義 盡在這福音裡</a:t>
             </a:r>
           </a:p>
         </p:txBody>
@@ -6223,7 +6506,7 @@
               </a:defRPr>
             </a:pPr>
             <a:r>
-              <a:t>寶座前敬拜不停息</a:t>
+              <a:t>只要你開口呼喊 耶穌</a:t>
             </a:r>
           </a:p>
         </p:txBody>
@@ -6259,7 +6542,7 @@
               </a:defRPr>
             </a:pPr>
             <a:r>
-              <a:t>【將天敞開】</a:t>
+              <a:t>【永恆唯一的盼望】</a:t>
             </a:r>
           </a:p>
         </p:txBody>
@@ -6273,7 +6556,7 @@
 </file>
 
 <file path=ppt/slides/slide7.xml><?xml version="1.0" encoding="utf-8"?>
-<p:sld xmlns:a="http://schemas.openxmlformats.org/drawingml/2006/main" xmlns:p="http://schemas.openxmlformats.org/presentationml/2006/main" xmlns:r="http://schemas.openxmlformats.org/officeDocument/2006/relationships">
+<p:sld xmlns:a="http://schemas.openxmlformats.org/drawingml/2006/main" xmlns:r="http://schemas.openxmlformats.org/officeDocument/2006/relationships" xmlns:p="http://schemas.openxmlformats.org/presentationml/2006/main">
   <p:cSld>
     <p:bg>
       <p:bgPr>
@@ -6289,7 +6572,14 @@
         <p:cNvGrpSpPr/>
         <p:nvPr/>
       </p:nvGrpSpPr>
-      <p:grpSpPr/>
+      <p:grpSpPr>
+        <a:xfrm>
+          <a:off x="0" y="0"/>
+          <a:ext cx="0" cy="0"/>
+          <a:chOff x="0" y="0"/>
+          <a:chExt cx="0" cy="0"/>
+        </a:xfrm>
+      </p:grpSpPr>
       <p:sp>
         <p:nvSpPr>
           <p:cNvPr id="2" name="Title 1"/>
@@ -6304,7 +6594,9 @@
         <p:txBody>
           <a:bodyPr/>
           <a:lstStyle/>
-          <a:p/>
+          <a:p>
+            <a:endParaRPr/>
+          </a:p>
         </p:txBody>
       </p:sp>
       <p:sp>
@@ -6338,7 +6630,7 @@
               </a:defRPr>
             </a:pPr>
             <a:r>
-              <a:t>神的子民合一聚集</a:t>
+              <a:t>※耶穌是生命一切問題的解答</a:t>
             </a:r>
           </a:p>
         </p:txBody>
@@ -6374,7 +6666,7 @@
               </a:defRPr>
             </a:pPr>
             <a:r>
-              <a:t>熱切期盼遇見祢</a:t>
+              <a:t>耶穌是生命一切黑暗的亮光</a:t>
             </a:r>
           </a:p>
         </p:txBody>
@@ -6410,7 +6702,7 @@
               </a:defRPr>
             </a:pPr>
             <a:r>
-              <a:t>【在這裡】</a:t>
+              <a:t>【永恆唯一的盼望】</a:t>
             </a:r>
           </a:p>
         </p:txBody>
@@ -6424,7 +6716,7 @@
 </file>
 
 <file path=ppt/slides/slide8.xml><?xml version="1.0" encoding="utf-8"?>
-<p:sld xmlns:a="http://schemas.openxmlformats.org/drawingml/2006/main" xmlns:p="http://schemas.openxmlformats.org/presentationml/2006/main" xmlns:r="http://schemas.openxmlformats.org/officeDocument/2006/relationships">
+<p:sld xmlns:a="http://schemas.openxmlformats.org/drawingml/2006/main" xmlns:r="http://schemas.openxmlformats.org/officeDocument/2006/relationships" xmlns:p="http://schemas.openxmlformats.org/presentationml/2006/main">
   <p:cSld>
     <p:bg>
       <p:bgPr>
@@ -6440,7 +6732,14 @@
         <p:cNvGrpSpPr/>
         <p:nvPr/>
       </p:nvGrpSpPr>
-      <p:grpSpPr/>
+      <p:grpSpPr>
+        <a:xfrm>
+          <a:off x="0" y="0"/>
+          <a:ext cx="0" cy="0"/>
+          <a:chOff x="0" y="0"/>
+          <a:chExt cx="0" cy="0"/>
+        </a:xfrm>
+      </p:grpSpPr>
       <p:sp>
         <p:nvSpPr>
           <p:cNvPr id="2" name="Title 1"/>
@@ -6455,7 +6754,9 @@
         <p:txBody>
           <a:bodyPr/>
           <a:lstStyle/>
-          <a:p/>
+          <a:p>
+            <a:endParaRPr/>
+          </a:p>
         </p:txBody>
       </p:sp>
       <p:sp>
@@ -6489,7 +6790,7 @@
               </a:defRPr>
             </a:pPr>
             <a:r>
-              <a:t>天要敞開神的道傳遍</a:t>
+              <a:t>將憂傷變為喜樂 將懼怕變為力量</a:t>
             </a:r>
           </a:p>
         </p:txBody>
@@ -6525,7 +6826,7 @@
               </a:defRPr>
             </a:pPr>
             <a:r>
-              <a:t>因為我們渴慕尋求祢</a:t>
+              <a:t>耶穌是永恆唯一的盼望</a:t>
             </a:r>
           </a:p>
         </p:txBody>
@@ -6561,7 +6862,7 @@
               </a:defRPr>
             </a:pPr>
             <a:r>
-              <a:t>【在這裡】</a:t>
+              <a:t>【永恆唯一的盼望】</a:t>
             </a:r>
           </a:p>
         </p:txBody>
@@ -6575,7 +6876,7 @@
 </file>
 
 <file path=ppt/slides/slide9.xml><?xml version="1.0" encoding="utf-8"?>
-<p:sld xmlns:a="http://schemas.openxmlformats.org/drawingml/2006/main" xmlns:p="http://schemas.openxmlformats.org/presentationml/2006/main" xmlns:r="http://schemas.openxmlformats.org/officeDocument/2006/relationships">
+<p:sld xmlns:a="http://schemas.openxmlformats.org/drawingml/2006/main" xmlns:r="http://schemas.openxmlformats.org/officeDocument/2006/relationships" xmlns:p="http://schemas.openxmlformats.org/presentationml/2006/main">
   <p:cSld>
     <p:bg>
       <p:bgPr>
@@ -6591,7 +6892,14 @@
         <p:cNvGrpSpPr/>
         <p:nvPr/>
       </p:nvGrpSpPr>
-      <p:grpSpPr/>
+      <p:grpSpPr>
+        <a:xfrm>
+          <a:off x="0" y="0"/>
+          <a:ext cx="0" cy="0"/>
+          <a:chOff x="0" y="0"/>
+          <a:chExt cx="0" cy="0"/>
+        </a:xfrm>
+      </p:grpSpPr>
       <p:sp>
         <p:nvSpPr>
           <p:cNvPr id="2" name="Title 1"/>
@@ -6606,7 +6914,9 @@
         <p:txBody>
           <a:bodyPr/>
           <a:lstStyle/>
-          <a:p/>
+          <a:p>
+            <a:endParaRPr/>
+          </a:p>
         </p:txBody>
       </p:sp>
       <p:sp>
@@ -6640,7 +6950,7 @@
               </a:defRPr>
             </a:pPr>
             <a:r>
-              <a:t>※在這裡 在這裡 耶穌祢現在在這裡</a:t>
+              <a:t>1.耶穌 神的愛子 耶穌 榮耀君王</a:t>
             </a:r>
           </a:p>
         </p:txBody>
@@ -6676,7 +6986,7 @@
               </a:defRPr>
             </a:pPr>
             <a:r>
-              <a:t>我相信 我相信 喜樂的江河在這裡</a:t>
+              <a:t>能力 權柄 智慧 公義 遠超過全世界</a:t>
             </a:r>
           </a:p>
         </p:txBody>
@@ -6712,7 +7022,7 @@
               </a:defRPr>
             </a:pPr>
             <a:r>
-              <a:t>【在這裡】</a:t>
+              <a:t>【耶穌的名】</a:t>
             </a:r>
           </a:p>
         </p:txBody>
